--- a/ESP MSc 2/Fiches Projets ESP -2022 final [Autosaved].pptx
+++ b/ESP MSc 2/Fiches Projets ESP -2022 final [Autosaved].pptx
@@ -228,7 +228,7 @@
           <a:p>
             <a:fld id="{110387BD-EA23-4F74-B9D8-D25F405BCA00}" type="datetimeFigureOut">
               <a:rPr lang="fr-FR" smtClean="0"/>
-              <a:t>15/10/2023</a:t>
+              <a:t>19/10/2023</a:t>
             </a:fld>
             <a:endParaRPr lang="fr-FR"/>
           </a:p>
@@ -405,7 +405,7 @@
           <a:p>
             <a:fld id="{C2E6036E-AE6A-9144-BD20-D8D149A7361D}" type="datetimeFigureOut">
               <a:rPr lang="en-US" smtClean="0"/>
-              <a:t>10/15/2023</a:t>
+              <a:t>10/18/2023</a:t>
             </a:fld>
             <a:endParaRPr lang="en-US"/>
           </a:p>
@@ -803,7 +803,7 @@
           <a:p>
             <a:fld id="{C9EFA211-350A-6149-9409-D31B40E28758}" type="datetimeFigureOut">
               <a:rPr lang="en-US" smtClean="0"/>
-              <a:t>10/15/2023</a:t>
+              <a:t>10/18/2023</a:t>
             </a:fld>
             <a:endParaRPr lang="en-US"/>
           </a:p>
@@ -968,7 +968,7 @@
           <a:p>
             <a:fld id="{C9EFA211-350A-6149-9409-D31B40E28758}" type="datetimeFigureOut">
               <a:rPr lang="en-US" smtClean="0"/>
-              <a:t>10/15/2023</a:t>
+              <a:t>10/18/2023</a:t>
             </a:fld>
             <a:endParaRPr lang="en-US"/>
           </a:p>
@@ -1143,7 +1143,7 @@
           <a:p>
             <a:fld id="{C9EFA211-350A-6149-9409-D31B40E28758}" type="datetimeFigureOut">
               <a:rPr lang="en-US" smtClean="0"/>
-              <a:t>10/15/2023</a:t>
+              <a:t>10/18/2023</a:t>
             </a:fld>
             <a:endParaRPr lang="en-US"/>
           </a:p>
@@ -1374,7 +1374,7 @@
           <a:p>
             <a:fld id="{C9EFA211-350A-6149-9409-D31B40E28758}" type="datetimeFigureOut">
               <a:rPr lang="en-US" smtClean="0"/>
-              <a:t>10/15/2023</a:t>
+              <a:t>10/18/2023</a:t>
             </a:fld>
             <a:endParaRPr lang="en-US"/>
           </a:p>
@@ -1613,7 +1613,7 @@
           <a:p>
             <a:fld id="{C9EFA211-350A-6149-9409-D31B40E28758}" type="datetimeFigureOut">
               <a:rPr lang="en-US" smtClean="0"/>
-              <a:t>10/15/2023</a:t>
+              <a:t>10/18/2023</a:t>
             </a:fld>
             <a:endParaRPr lang="en-US"/>
           </a:p>
@@ -1840,7 +1840,7 @@
           <a:p>
             <a:fld id="{C9EFA211-350A-6149-9409-D31B40E28758}" type="datetimeFigureOut">
               <a:rPr lang="en-US" smtClean="0"/>
-              <a:t>10/15/2023</a:t>
+              <a:t>10/18/2023</a:t>
             </a:fld>
             <a:endParaRPr lang="en-US"/>
           </a:p>
@@ -2202,7 +2202,7 @@
           <a:p>
             <a:fld id="{C9EFA211-350A-6149-9409-D31B40E28758}" type="datetimeFigureOut">
               <a:rPr lang="en-US" smtClean="0"/>
-              <a:t>10/15/2023</a:t>
+              <a:t>10/18/2023</a:t>
             </a:fld>
             <a:endParaRPr lang="en-US"/>
           </a:p>
@@ -2315,7 +2315,7 @@
           <a:p>
             <a:fld id="{C9EFA211-350A-6149-9409-D31B40E28758}" type="datetimeFigureOut">
               <a:rPr lang="en-US" smtClean="0"/>
-              <a:t>10/15/2023</a:t>
+              <a:t>10/18/2023</a:t>
             </a:fld>
             <a:endParaRPr lang="en-US"/>
           </a:p>
@@ -2405,7 +2405,7 @@
           <a:p>
             <a:fld id="{C9EFA211-350A-6149-9409-D31B40E28758}" type="datetimeFigureOut">
               <a:rPr lang="en-US" smtClean="0"/>
-              <a:t>10/15/2023</a:t>
+              <a:t>10/18/2023</a:t>
             </a:fld>
             <a:endParaRPr lang="en-US"/>
           </a:p>
@@ -2677,7 +2677,7 @@
           <a:p>
             <a:fld id="{C9EFA211-350A-6149-9409-D31B40E28758}" type="datetimeFigureOut">
               <a:rPr lang="en-US" smtClean="0"/>
-              <a:t>10/15/2023</a:t>
+              <a:t>10/18/2023</a:t>
             </a:fld>
             <a:endParaRPr lang="en-US"/>
           </a:p>
@@ -2929,7 +2929,7 @@
           <a:p>
             <a:fld id="{C9EFA211-350A-6149-9409-D31B40E28758}" type="datetimeFigureOut">
               <a:rPr lang="en-US" smtClean="0"/>
-              <a:t>10/15/2023</a:t>
+              <a:t>10/18/2023</a:t>
             </a:fld>
             <a:endParaRPr lang="en-US"/>
           </a:p>
@@ -3137,7 +3137,7 @@
           <a:p>
             <a:fld id="{C9EFA211-350A-6149-9409-D31B40E28758}" type="datetimeFigureOut">
               <a:rPr lang="en-US" smtClean="0"/>
-              <a:t>10/15/2023</a:t>
+              <a:t>10/18/2023</a:t>
             </a:fld>
             <a:endParaRPr lang="en-US"/>
           </a:p>
